--- a/docs/migration_guide/source_zh_cn/images/flowchart.pptx
+++ b/docs/migration_guide/source_zh_cn/images/flowchart.pptx
@@ -5,7 +5,7 @@
     <p:sldMasterId id="2147483648" r:id="rId1"/>
   </p:sldMasterIdLst>
   <p:sldIdLst>
-    <p:sldId id="261" r:id="rId3"/>
+    <p:sldId id="262" r:id="rId3"/>
   </p:sldIdLst>
   <p:sldSz cx="12192000" cy="6858000"/>
   <p:notesSz cx="6858000" cy="9144000"/>
@@ -2917,14 +2917,7 @@
         <p:cNvGrpSpPr/>
         <p:nvPr/>
       </p:nvGrpSpPr>
-      <p:grpSpPr>
-        <a:xfrm>
-          <a:off x="0" y="0"/>
-          <a:ext cx="0" cy="0"/>
-          <a:chOff x="0" y="0"/>
-          <a:chExt cx="0" cy="0"/>
-        </a:xfrm>
-      </p:grpSpPr>
+      <p:grpSpPr/>
       <p:sp>
         <p:nvSpPr>
           <p:cNvPr id="4" name="椭圆 3"/>
@@ -3133,7 +3126,7 @@
         </p:nvSpPr>
         <p:spPr>
           <a:xfrm>
-            <a:off x="1001131" y="2582999"/>
+            <a:off x="957316" y="2621099"/>
             <a:ext cx="1637294" cy="416270"/>
           </a:xfrm>
           <a:prstGeom prst="roundRect">
@@ -3199,7 +3192,7 @@
         </p:nvSpPr>
         <p:spPr>
           <a:xfrm>
-            <a:off x="1001131" y="3392207"/>
+            <a:off x="1001131" y="3407447"/>
             <a:ext cx="1637294" cy="426785"/>
           </a:xfrm>
           <a:prstGeom prst="roundRect">
@@ -3265,7 +3258,7 @@
         </p:nvSpPr>
         <p:spPr>
           <a:xfrm>
-            <a:off x="1012674" y="4163043"/>
+            <a:off x="1006959" y="4210668"/>
             <a:ext cx="1625751" cy="423870"/>
           </a:xfrm>
           <a:prstGeom prst="roundRect">
@@ -3331,7 +3324,7 @@
         </p:nvSpPr>
         <p:spPr>
           <a:xfrm>
-            <a:off x="1001131" y="4974082"/>
+            <a:off x="956681" y="5002022"/>
             <a:ext cx="1637294" cy="491127"/>
           </a:xfrm>
           <a:prstGeom prst="ellipse">
@@ -3450,275 +3443,6 @@
                 <a:ea typeface="Microsoft YaHei" panose="020B0503020204020204" pitchFamily="34" charset="-122"/>
               </a:rPr>
               <a:t>缺失算子评估和缺失框架功能补齐</a:t>
-            </a:r>
-            <a:endParaRPr lang="zh-CN" altLang="en-US" sz="1100" dirty="0">
-              <a:latin typeface="Microsoft YaHei" panose="020B0503020204020204" pitchFamily="34" charset="-122"/>
-              <a:ea typeface="Microsoft YaHei" panose="020B0503020204020204" pitchFamily="34" charset="-122"/>
-            </a:endParaRPr>
-          </a:p>
-        </p:txBody>
-      </p:sp>
-      <p:sp>
-        <p:nvSpPr>
-          <p:cNvPr id="19" name="矩形 18"/>
-          <p:cNvSpPr/>
-          <p:nvPr/>
-        </p:nvSpPr>
-        <p:spPr>
-          <a:xfrm>
-            <a:off x="2638425" y="2568429"/>
-            <a:ext cx="6095232" cy="430887"/>
-          </a:xfrm>
-          <a:prstGeom prst="rect">
-            <a:avLst/>
-          </a:prstGeom>
-        </p:spPr>
-        <p:txBody>
-          <a:bodyPr>
-            <a:spAutoFit/>
-          </a:bodyPr>
-          <a:lstStyle/>
-          <a:p>
-            <a:r>
-              <a:rPr lang="zh-CN" altLang="en-US" sz="1100" dirty="0">
-                <a:latin typeface="Microsoft YaHei" panose="020B0503020204020204" pitchFamily="34" charset="-122"/>
-                <a:ea typeface="Microsoft YaHei" panose="020B0503020204020204" pitchFamily="34" charset="-122"/>
-              </a:rPr>
-              <a:t>数据处理和网络构建</a:t>
-            </a:r>
-            <a:endParaRPr lang="en-US" altLang="zh-CN" sz="1100" dirty="0">
-              <a:latin typeface="Microsoft YaHei" panose="020B0503020204020204" pitchFamily="34" charset="-122"/>
-              <a:ea typeface="Microsoft YaHei" panose="020B0503020204020204" pitchFamily="34" charset="-122"/>
-            </a:endParaRPr>
-          </a:p>
-          <a:p>
-            <a:r>
-              <a:rPr lang="zh-CN" altLang="en-US" sz="1100" dirty="0">
-                <a:latin typeface="Microsoft YaHei" panose="020B0503020204020204" pitchFamily="34" charset="-122"/>
-                <a:ea typeface="Microsoft YaHei" panose="020B0503020204020204" pitchFamily="34" charset="-122"/>
-              </a:rPr>
-              <a:t>（可选）</a:t>
-            </a:r>
-            <a:r>
-              <a:rPr lang="en-US" altLang="zh-CN" sz="1100" dirty="0">
-                <a:latin typeface="Microsoft YaHei" panose="020B0503020204020204" pitchFamily="34" charset="-122"/>
-                <a:ea typeface="Microsoft YaHei" panose="020B0503020204020204" pitchFamily="34" charset="-122"/>
-              </a:rPr>
-              <a:t>MindConverter</a:t>
-            </a:r>
-            <a:r>
-              <a:rPr lang="zh-CN" altLang="en-US" sz="1100" dirty="0">
-                <a:latin typeface="Microsoft YaHei" panose="020B0503020204020204" pitchFamily="34" charset="-122"/>
-                <a:ea typeface="Microsoft YaHei" panose="020B0503020204020204" pitchFamily="34" charset="-122"/>
-              </a:rPr>
-              <a:t>可视化工具构图</a:t>
-            </a:r>
-            <a:endParaRPr lang="zh-CN" altLang="en-US" sz="1100" dirty="0">
-              <a:latin typeface="Microsoft YaHei" panose="020B0503020204020204" pitchFamily="34" charset="-122"/>
-              <a:ea typeface="Microsoft YaHei" panose="020B0503020204020204" pitchFamily="34" charset="-122"/>
-            </a:endParaRPr>
-          </a:p>
-        </p:txBody>
-      </p:sp>
-      <p:sp>
-        <p:nvSpPr>
-          <p:cNvPr id="20" name="矩形 19"/>
-          <p:cNvSpPr/>
-          <p:nvPr/>
-        </p:nvSpPr>
-        <p:spPr>
-          <a:xfrm>
-            <a:off x="2638425" y="3358916"/>
-            <a:ext cx="6095232" cy="430887"/>
-          </a:xfrm>
-          <a:prstGeom prst="rect">
-            <a:avLst/>
-          </a:prstGeom>
-        </p:spPr>
-        <p:txBody>
-          <a:bodyPr>
-            <a:spAutoFit/>
-          </a:bodyPr>
-          <a:lstStyle/>
-          <a:p>
-            <a:r>
-              <a:rPr lang="zh-CN" altLang="en-US" sz="1100" dirty="0">
-                <a:latin typeface="Microsoft YaHei" panose="020B0503020204020204" pitchFamily="34" charset="-122"/>
-                <a:ea typeface="Microsoft YaHei" panose="020B0503020204020204" pitchFamily="34" charset="-122"/>
-              </a:rPr>
-              <a:t>单</a:t>
-            </a:r>
-            <a:r>
-              <a:rPr lang="en-US" altLang="zh-CN" sz="1100" dirty="0">
-                <a:latin typeface="Microsoft YaHei" panose="020B0503020204020204" pitchFamily="34" charset="-122"/>
-                <a:ea typeface="Microsoft YaHei" panose="020B0503020204020204" pitchFamily="34" charset="-122"/>
-              </a:rPr>
-              <a:t>step</a:t>
-            </a:r>
-            <a:r>
-              <a:rPr lang="zh-CN" altLang="en-US" sz="1100" dirty="0">
-                <a:latin typeface="Microsoft YaHei" panose="020B0503020204020204" pitchFamily="34" charset="-122"/>
-                <a:ea typeface="Microsoft YaHei" panose="020B0503020204020204" pitchFamily="34" charset="-122"/>
-              </a:rPr>
-              <a:t>和多轮迭代调试，单卡</a:t>
-            </a:r>
-            <a:r>
-              <a:rPr lang="en-US" altLang="zh-CN" sz="1100" dirty="0">
-                <a:latin typeface="Microsoft YaHei" panose="020B0503020204020204" pitchFamily="34" charset="-122"/>
-                <a:ea typeface="Microsoft YaHei" panose="020B0503020204020204" pitchFamily="34" charset="-122"/>
-              </a:rPr>
-              <a:t>/</a:t>
-            </a:r>
-            <a:r>
-              <a:rPr lang="zh-CN" altLang="en-US" sz="1100" dirty="0">
-                <a:latin typeface="Microsoft YaHei" panose="020B0503020204020204" pitchFamily="34" charset="-122"/>
-                <a:ea typeface="Microsoft YaHei" panose="020B0503020204020204" pitchFamily="34" charset="-122"/>
-              </a:rPr>
-              <a:t>多卡流程打通</a:t>
-            </a:r>
-            <a:endParaRPr lang="en-US" altLang="zh-CN" sz="1100" dirty="0">
-              <a:latin typeface="Microsoft YaHei" panose="020B0503020204020204" pitchFamily="34" charset="-122"/>
-              <a:ea typeface="Microsoft YaHei" panose="020B0503020204020204" pitchFamily="34" charset="-122"/>
-            </a:endParaRPr>
-          </a:p>
-          <a:p>
-            <a:r>
-              <a:rPr lang="zh-CN" altLang="en-US" sz="1100" dirty="0">
-                <a:latin typeface="Microsoft YaHei" panose="020B0503020204020204" pitchFamily="34" charset="-122"/>
-                <a:ea typeface="Microsoft YaHei" panose="020B0503020204020204" pitchFamily="34" charset="-122"/>
-              </a:rPr>
-              <a:t>（可选）</a:t>
-            </a:r>
-            <a:r>
-              <a:rPr lang="en-US" altLang="zh-CN" sz="1100" dirty="0">
-                <a:latin typeface="Microsoft YaHei" panose="020B0503020204020204" pitchFamily="34" charset="-122"/>
-                <a:ea typeface="Microsoft YaHei" panose="020B0503020204020204" pitchFamily="34" charset="-122"/>
-              </a:rPr>
-              <a:t>PyNative</a:t>
-            </a:r>
-            <a:r>
-              <a:rPr lang="zh-CN" altLang="en-US" sz="1100" dirty="0">
-                <a:latin typeface="Microsoft YaHei" panose="020B0503020204020204" pitchFamily="34" charset="-122"/>
-                <a:ea typeface="Microsoft YaHei" panose="020B0503020204020204" pitchFamily="34" charset="-122"/>
-              </a:rPr>
-              <a:t>模式调试</a:t>
-            </a:r>
-            <a:endParaRPr lang="zh-CN" altLang="en-US" sz="1100" dirty="0">
-              <a:latin typeface="Microsoft YaHei" panose="020B0503020204020204" pitchFamily="34" charset="-122"/>
-              <a:ea typeface="Microsoft YaHei" panose="020B0503020204020204" pitchFamily="34" charset="-122"/>
-            </a:endParaRPr>
-          </a:p>
-        </p:txBody>
-      </p:sp>
-      <p:sp>
-        <p:nvSpPr>
-          <p:cNvPr id="21" name="矩形 20"/>
-          <p:cNvSpPr/>
-          <p:nvPr/>
-        </p:nvSpPr>
-        <p:spPr>
-          <a:xfrm>
-            <a:off x="2638425" y="4117002"/>
-            <a:ext cx="6095232" cy="430887"/>
-          </a:xfrm>
-          <a:prstGeom prst="rect">
-            <a:avLst/>
-          </a:prstGeom>
-        </p:spPr>
-        <p:txBody>
-          <a:bodyPr>
-            <a:spAutoFit/>
-          </a:bodyPr>
-          <a:lstStyle/>
-          <a:p>
-            <a:r>
-              <a:rPr lang="en-US" altLang="zh-CN" sz="1100" dirty="0">
-                <a:latin typeface="Microsoft YaHei" panose="020B0503020204020204" pitchFamily="34" charset="-122"/>
-                <a:ea typeface="Microsoft YaHei" panose="020B0503020204020204" pitchFamily="34" charset="-122"/>
-              </a:rPr>
-              <a:t>Ascend/GPU</a:t>
-            </a:r>
-            <a:r>
-              <a:rPr lang="zh-CN" altLang="en-US" sz="1100" dirty="0">
-                <a:latin typeface="Microsoft YaHei" panose="020B0503020204020204" pitchFamily="34" charset="-122"/>
-                <a:ea typeface="Microsoft YaHei" panose="020B0503020204020204" pitchFamily="34" charset="-122"/>
-              </a:rPr>
-              <a:t>分布式并行训练</a:t>
-            </a:r>
-            <a:endParaRPr lang="en-US" altLang="zh-CN" sz="1100" dirty="0">
-              <a:latin typeface="Microsoft YaHei" panose="020B0503020204020204" pitchFamily="34" charset="-122"/>
-              <a:ea typeface="Microsoft YaHei" panose="020B0503020204020204" pitchFamily="34" charset="-122"/>
-            </a:endParaRPr>
-          </a:p>
-          <a:p>
-            <a:r>
-              <a:rPr lang="zh-CN" altLang="en-US" sz="1100" dirty="0">
-                <a:latin typeface="Microsoft YaHei" panose="020B0503020204020204" pitchFamily="34" charset="-122"/>
-                <a:ea typeface="Microsoft YaHei" panose="020B0503020204020204" pitchFamily="34" charset="-122"/>
-              </a:rPr>
-              <a:t>（可选）使能图算融合</a:t>
-            </a:r>
-            <a:endParaRPr lang="zh-CN" altLang="en-US" sz="1100" dirty="0">
-              <a:latin typeface="Microsoft YaHei" panose="020B0503020204020204" pitchFamily="34" charset="-122"/>
-              <a:ea typeface="Microsoft YaHei" panose="020B0503020204020204" pitchFamily="34" charset="-122"/>
-            </a:endParaRPr>
-          </a:p>
-        </p:txBody>
-      </p:sp>
-      <p:sp>
-        <p:nvSpPr>
-          <p:cNvPr id="22" name="矩形 21"/>
-          <p:cNvSpPr/>
-          <p:nvPr/>
-        </p:nvSpPr>
-        <p:spPr>
-          <a:xfrm>
-            <a:off x="2638425" y="5039467"/>
-            <a:ext cx="6095232" cy="430887"/>
-          </a:xfrm>
-          <a:prstGeom prst="rect">
-            <a:avLst/>
-          </a:prstGeom>
-        </p:spPr>
-        <p:txBody>
-          <a:bodyPr>
-            <a:spAutoFit/>
-          </a:bodyPr>
-          <a:lstStyle/>
-          <a:p>
-            <a:r>
-              <a:rPr lang="zh-CN" altLang="en-US" sz="1100" dirty="0">
-                <a:latin typeface="Microsoft YaHei" panose="020B0503020204020204" pitchFamily="34" charset="-122"/>
-                <a:ea typeface="Microsoft YaHei" panose="020B0503020204020204" pitchFamily="34" charset="-122"/>
-              </a:rPr>
-              <a:t>单卡</a:t>
-            </a:r>
-            <a:r>
-              <a:rPr lang="en-US" altLang="zh-CN" sz="1100" dirty="0">
-                <a:latin typeface="Microsoft YaHei" panose="020B0503020204020204" pitchFamily="34" charset="-122"/>
-                <a:ea typeface="Microsoft YaHei" panose="020B0503020204020204" pitchFamily="34" charset="-122"/>
-              </a:rPr>
-              <a:t>/</a:t>
-            </a:r>
-            <a:r>
-              <a:rPr lang="zh-CN" altLang="en-US" sz="1100" dirty="0">
-                <a:latin typeface="Microsoft YaHei" panose="020B0503020204020204" pitchFamily="34" charset="-122"/>
-                <a:ea typeface="Microsoft YaHei" panose="020B0503020204020204" pitchFamily="34" charset="-122"/>
-              </a:rPr>
-              <a:t>多卡精度性能达标</a:t>
-            </a:r>
-            <a:endParaRPr lang="en-US" altLang="zh-CN" sz="1100" dirty="0">
-              <a:latin typeface="Microsoft YaHei" panose="020B0503020204020204" pitchFamily="34" charset="-122"/>
-              <a:ea typeface="Microsoft YaHei" panose="020B0503020204020204" pitchFamily="34" charset="-122"/>
-            </a:endParaRPr>
-          </a:p>
-          <a:p>
-            <a:r>
-              <a:rPr lang="zh-CN" altLang="en-US" sz="1100" dirty="0">
-                <a:latin typeface="Microsoft YaHei" panose="020B0503020204020204" pitchFamily="34" charset="-122"/>
-                <a:ea typeface="Microsoft YaHei" panose="020B0503020204020204" pitchFamily="34" charset="-122"/>
-              </a:rPr>
-              <a:t>对外开源</a:t>
             </a:r>
             <a:endParaRPr lang="zh-CN" altLang="en-US" sz="1100" dirty="0">
               <a:latin typeface="Microsoft YaHei" panose="020B0503020204020204" pitchFamily="34" charset="-122"/>
@@ -3781,7 +3505,7 @@
         </p:nvSpPr>
         <p:spPr>
           <a:xfrm>
-            <a:off x="1697157" y="1507512"/>
+            <a:off x="1697157" y="1501162"/>
             <a:ext cx="158049" cy="260579"/>
           </a:xfrm>
           <a:prstGeom prst="downArrow">
@@ -3827,7 +3551,7 @@
         </p:nvSpPr>
         <p:spPr>
           <a:xfrm>
-            <a:off x="1697157" y="2286497"/>
+            <a:off x="1697157" y="2308087"/>
             <a:ext cx="158049" cy="260579"/>
           </a:xfrm>
           <a:prstGeom prst="downArrow">
@@ -3873,7 +3597,7 @@
         </p:nvSpPr>
         <p:spPr>
           <a:xfrm>
-            <a:off x="1697157" y="3060824"/>
+            <a:off x="1696522" y="3098924"/>
             <a:ext cx="158049" cy="260579"/>
           </a:xfrm>
           <a:prstGeom prst="downArrow">
@@ -3919,7 +3643,7 @@
         </p:nvSpPr>
         <p:spPr>
           <a:xfrm>
-            <a:off x="1697156" y="3860728"/>
+            <a:off x="1697156" y="3895018"/>
             <a:ext cx="158049" cy="260579"/>
           </a:xfrm>
           <a:prstGeom prst="downArrow">
@@ -3965,7 +3689,7 @@
         </p:nvSpPr>
         <p:spPr>
           <a:xfrm>
-            <a:off x="1697155" y="4650208"/>
+            <a:off x="1697155" y="4698468"/>
             <a:ext cx="158049" cy="260579"/>
           </a:xfrm>
           <a:prstGeom prst="downArrow">
@@ -4003,18 +3727,276 @@
           </a:p>
         </p:txBody>
       </p:sp>
+      <p:sp>
+        <p:nvSpPr>
+          <p:cNvPr id="19" name="矩形 18"/>
+          <p:cNvSpPr/>
+          <p:nvPr/>
+        </p:nvSpPr>
+        <p:spPr>
+          <a:xfrm>
+            <a:off x="2638425" y="2568429"/>
+            <a:ext cx="6095232" cy="430887"/>
+          </a:xfrm>
+          <a:prstGeom prst="rect">
+            <a:avLst/>
+          </a:prstGeom>
+        </p:spPr>
+        <p:txBody>
+          <a:bodyPr>
+            <a:spAutoFit/>
+          </a:bodyPr>
+          <a:p>
+            <a:r>
+              <a:rPr lang="zh-CN" altLang="en-US" sz="1100" dirty="0">
+                <a:latin typeface="Microsoft YaHei" panose="020B0503020204020204" pitchFamily="34" charset="-122"/>
+                <a:ea typeface="Microsoft YaHei" panose="020B0503020204020204" pitchFamily="34" charset="-122"/>
+              </a:rPr>
+              <a:t>数据处理和网络构建</a:t>
+            </a:r>
+            <a:endParaRPr lang="en-US" altLang="zh-CN" sz="1100" dirty="0">
+              <a:latin typeface="Microsoft YaHei" panose="020B0503020204020204" pitchFamily="34" charset="-122"/>
+              <a:ea typeface="Microsoft YaHei" panose="020B0503020204020204" pitchFamily="34" charset="-122"/>
+            </a:endParaRPr>
+          </a:p>
+          <a:p>
+            <a:r>
+              <a:rPr lang="zh-CN" altLang="en-US" sz="1100" dirty="0">
+                <a:latin typeface="Microsoft YaHei" panose="020B0503020204020204" pitchFamily="34" charset="-122"/>
+                <a:ea typeface="Microsoft YaHei" panose="020B0503020204020204" pitchFamily="34" charset="-122"/>
+              </a:rPr>
+              <a:t>（可选）</a:t>
+            </a:r>
+            <a:r>
+              <a:rPr lang="en-US" altLang="zh-CN" sz="1100" dirty="0">
+                <a:latin typeface="Microsoft YaHei" panose="020B0503020204020204" pitchFamily="34" charset="-122"/>
+                <a:ea typeface="Microsoft YaHei" panose="020B0503020204020204" pitchFamily="34" charset="-122"/>
+              </a:rPr>
+              <a:t>MindConverter</a:t>
+            </a:r>
+            <a:r>
+              <a:rPr lang="zh-CN" altLang="en-US" sz="1100" dirty="0">
+                <a:latin typeface="Microsoft YaHei" panose="020B0503020204020204" pitchFamily="34" charset="-122"/>
+                <a:ea typeface="Microsoft YaHei" panose="020B0503020204020204" pitchFamily="34" charset="-122"/>
+              </a:rPr>
+              <a:t>可视化工具构图</a:t>
+            </a:r>
+            <a:endParaRPr lang="zh-CN" altLang="en-US" sz="1100" dirty="0">
+              <a:latin typeface="Microsoft YaHei" panose="020B0503020204020204" pitchFamily="34" charset="-122"/>
+              <a:ea typeface="Microsoft YaHei" panose="020B0503020204020204" pitchFamily="34" charset="-122"/>
+            </a:endParaRPr>
+          </a:p>
+        </p:txBody>
+      </p:sp>
+      <p:sp>
+        <p:nvSpPr>
+          <p:cNvPr id="20" name="矩形 19"/>
+          <p:cNvSpPr/>
+          <p:nvPr/>
+        </p:nvSpPr>
+        <p:spPr>
+          <a:xfrm>
+            <a:off x="2638425" y="3358916"/>
+            <a:ext cx="6095232" cy="430887"/>
+          </a:xfrm>
+          <a:prstGeom prst="rect">
+            <a:avLst/>
+          </a:prstGeom>
+        </p:spPr>
+        <p:txBody>
+          <a:bodyPr>
+            <a:spAutoFit/>
+          </a:bodyPr>
+          <a:p>
+            <a:r>
+              <a:rPr lang="zh-CN" altLang="en-US" sz="1100" dirty="0">
+                <a:latin typeface="Microsoft YaHei" panose="020B0503020204020204" pitchFamily="34" charset="-122"/>
+                <a:ea typeface="Microsoft YaHei" panose="020B0503020204020204" pitchFamily="34" charset="-122"/>
+              </a:rPr>
+              <a:t>单</a:t>
+            </a:r>
+            <a:r>
+              <a:rPr lang="en-US" altLang="zh-CN" sz="1100" dirty="0">
+                <a:latin typeface="Microsoft YaHei" panose="020B0503020204020204" pitchFamily="34" charset="-122"/>
+                <a:ea typeface="Microsoft YaHei" panose="020B0503020204020204" pitchFamily="34" charset="-122"/>
+              </a:rPr>
+              <a:t>step</a:t>
+            </a:r>
+            <a:r>
+              <a:rPr lang="zh-CN" altLang="en-US" sz="1100" dirty="0">
+                <a:latin typeface="Microsoft YaHei" panose="020B0503020204020204" pitchFamily="34" charset="-122"/>
+                <a:ea typeface="Microsoft YaHei" panose="020B0503020204020204" pitchFamily="34" charset="-122"/>
+              </a:rPr>
+              <a:t>和多轮迭代调试，单卡</a:t>
+            </a:r>
+            <a:r>
+              <a:rPr lang="en-US" altLang="zh-CN" sz="1100" dirty="0">
+                <a:latin typeface="Microsoft YaHei" panose="020B0503020204020204" pitchFamily="34" charset="-122"/>
+                <a:ea typeface="Microsoft YaHei" panose="020B0503020204020204" pitchFamily="34" charset="-122"/>
+              </a:rPr>
+              <a:t>/</a:t>
+            </a:r>
+            <a:r>
+              <a:rPr lang="zh-CN" altLang="en-US" sz="1100" dirty="0">
+                <a:latin typeface="Microsoft YaHei" panose="020B0503020204020204" pitchFamily="34" charset="-122"/>
+                <a:ea typeface="Microsoft YaHei" panose="020B0503020204020204" pitchFamily="34" charset="-122"/>
+              </a:rPr>
+              <a:t>多卡流程打通</a:t>
+            </a:r>
+            <a:endParaRPr lang="en-US" altLang="zh-CN" sz="1100" dirty="0">
+              <a:latin typeface="Microsoft YaHei" panose="020B0503020204020204" pitchFamily="34" charset="-122"/>
+              <a:ea typeface="Microsoft YaHei" panose="020B0503020204020204" pitchFamily="34" charset="-122"/>
+            </a:endParaRPr>
+          </a:p>
+          <a:p>
+            <a:r>
+              <a:rPr lang="zh-CN" altLang="en-US" sz="1100" dirty="0">
+                <a:latin typeface="Microsoft YaHei" panose="020B0503020204020204" pitchFamily="34" charset="-122"/>
+                <a:ea typeface="Microsoft YaHei" panose="020B0503020204020204" pitchFamily="34" charset="-122"/>
+              </a:rPr>
+              <a:t>（可选）</a:t>
+            </a:r>
+            <a:r>
+              <a:rPr lang="en-US" altLang="zh-CN" sz="1100" dirty="0">
+                <a:latin typeface="Microsoft YaHei" panose="020B0503020204020204" pitchFamily="34" charset="-122"/>
+                <a:ea typeface="Microsoft YaHei" panose="020B0503020204020204" pitchFamily="34" charset="-122"/>
+              </a:rPr>
+              <a:t>PyNative</a:t>
+            </a:r>
+            <a:r>
+              <a:rPr lang="zh-CN" altLang="en-US" sz="1100" dirty="0">
+                <a:latin typeface="Microsoft YaHei" panose="020B0503020204020204" pitchFamily="34" charset="-122"/>
+                <a:ea typeface="Microsoft YaHei" panose="020B0503020204020204" pitchFamily="34" charset="-122"/>
+              </a:rPr>
+              <a:t>模式调试</a:t>
+            </a:r>
+            <a:endParaRPr lang="zh-CN" altLang="en-US" sz="1100" dirty="0">
+              <a:latin typeface="Microsoft YaHei" panose="020B0503020204020204" pitchFamily="34" charset="-122"/>
+              <a:ea typeface="Microsoft YaHei" panose="020B0503020204020204" pitchFamily="34" charset="-122"/>
+            </a:endParaRPr>
+          </a:p>
+        </p:txBody>
+      </p:sp>
+      <p:sp>
+        <p:nvSpPr>
+          <p:cNvPr id="21" name="矩形 20"/>
+          <p:cNvSpPr/>
+          <p:nvPr/>
+        </p:nvSpPr>
+        <p:spPr>
+          <a:xfrm>
+            <a:off x="2638425" y="4117002"/>
+            <a:ext cx="6095232" cy="430887"/>
+          </a:xfrm>
+          <a:prstGeom prst="rect">
+            <a:avLst/>
+          </a:prstGeom>
+        </p:spPr>
+        <p:txBody>
+          <a:bodyPr>
+            <a:spAutoFit/>
+          </a:bodyPr>
+          <a:p>
+            <a:r>
+              <a:rPr lang="en-US" altLang="zh-CN" sz="1100" dirty="0">
+                <a:latin typeface="Microsoft YaHei" panose="020B0503020204020204" pitchFamily="34" charset="-122"/>
+                <a:ea typeface="Microsoft YaHei" panose="020B0503020204020204" pitchFamily="34" charset="-122"/>
+              </a:rPr>
+              <a:t>Ascend/GPU</a:t>
+            </a:r>
+            <a:r>
+              <a:rPr lang="zh-CN" altLang="en-US" sz="1100" dirty="0">
+                <a:latin typeface="Microsoft YaHei" panose="020B0503020204020204" pitchFamily="34" charset="-122"/>
+                <a:ea typeface="Microsoft YaHei" panose="020B0503020204020204" pitchFamily="34" charset="-122"/>
+              </a:rPr>
+              <a:t>分布式并行训练</a:t>
+            </a:r>
+            <a:endParaRPr lang="en-US" altLang="zh-CN" sz="1100" dirty="0">
+              <a:latin typeface="Microsoft YaHei" panose="020B0503020204020204" pitchFamily="34" charset="-122"/>
+              <a:ea typeface="Microsoft YaHei" panose="020B0503020204020204" pitchFamily="34" charset="-122"/>
+            </a:endParaRPr>
+          </a:p>
+          <a:p>
+            <a:r>
+              <a:rPr lang="zh-CN" altLang="en-US" sz="1100" dirty="0">
+                <a:latin typeface="Microsoft YaHei" panose="020B0503020204020204" pitchFamily="34" charset="-122"/>
+                <a:ea typeface="Microsoft YaHei" panose="020B0503020204020204" pitchFamily="34" charset="-122"/>
+              </a:rPr>
+              <a:t>（可选）使能图算融合</a:t>
+            </a:r>
+            <a:endParaRPr lang="zh-CN" altLang="en-US" sz="1100" dirty="0">
+              <a:latin typeface="Microsoft YaHei" panose="020B0503020204020204" pitchFamily="34" charset="-122"/>
+              <a:ea typeface="Microsoft YaHei" panose="020B0503020204020204" pitchFamily="34" charset="-122"/>
+            </a:endParaRPr>
+          </a:p>
+        </p:txBody>
+      </p:sp>
+      <p:sp>
+        <p:nvSpPr>
+          <p:cNvPr id="22" name="矩形 21"/>
+          <p:cNvSpPr/>
+          <p:nvPr/>
+        </p:nvSpPr>
+        <p:spPr>
+          <a:xfrm>
+            <a:off x="2638425" y="5039467"/>
+            <a:ext cx="6095232" cy="430887"/>
+          </a:xfrm>
+          <a:prstGeom prst="rect">
+            <a:avLst/>
+          </a:prstGeom>
+        </p:spPr>
+        <p:txBody>
+          <a:bodyPr>
+            <a:spAutoFit/>
+          </a:bodyPr>
+          <a:p>
+            <a:r>
+              <a:rPr lang="zh-CN" altLang="en-US" sz="1100" dirty="0">
+                <a:latin typeface="Microsoft YaHei" panose="020B0503020204020204" pitchFamily="34" charset="-122"/>
+                <a:ea typeface="Microsoft YaHei" panose="020B0503020204020204" pitchFamily="34" charset="-122"/>
+              </a:rPr>
+              <a:t>单卡</a:t>
+            </a:r>
+            <a:r>
+              <a:rPr lang="en-US" altLang="zh-CN" sz="1100" dirty="0">
+                <a:latin typeface="Microsoft YaHei" panose="020B0503020204020204" pitchFamily="34" charset="-122"/>
+                <a:ea typeface="Microsoft YaHei" panose="020B0503020204020204" pitchFamily="34" charset="-122"/>
+              </a:rPr>
+              <a:t>/</a:t>
+            </a:r>
+            <a:r>
+              <a:rPr lang="zh-CN" altLang="en-US" sz="1100" dirty="0">
+                <a:latin typeface="Microsoft YaHei" panose="020B0503020204020204" pitchFamily="34" charset="-122"/>
+                <a:ea typeface="Microsoft YaHei" panose="020B0503020204020204" pitchFamily="34" charset="-122"/>
+              </a:rPr>
+              <a:t>多卡精度性能达标</a:t>
+            </a:r>
+            <a:endParaRPr lang="en-US" altLang="zh-CN" sz="1100" dirty="0">
+              <a:latin typeface="Microsoft YaHei" panose="020B0503020204020204" pitchFamily="34" charset="-122"/>
+              <a:ea typeface="Microsoft YaHei" panose="020B0503020204020204" pitchFamily="34" charset="-122"/>
+            </a:endParaRPr>
+          </a:p>
+          <a:p>
+            <a:r>
+              <a:rPr lang="zh-CN" altLang="en-US" sz="1100" dirty="0">
+                <a:latin typeface="Microsoft YaHei" panose="020B0503020204020204" pitchFamily="34" charset="-122"/>
+                <a:ea typeface="Microsoft YaHei" panose="020B0503020204020204" pitchFamily="34" charset="-122"/>
+              </a:rPr>
+              <a:t>对外开源</a:t>
+            </a:r>
+            <a:endParaRPr lang="zh-CN" altLang="en-US" sz="1100" dirty="0">
+              <a:latin typeface="Microsoft YaHei" panose="020B0503020204020204" pitchFamily="34" charset="-122"/>
+              <a:ea typeface="Microsoft YaHei" panose="020B0503020204020204" pitchFamily="34" charset="-122"/>
+            </a:endParaRPr>
+          </a:p>
+        </p:txBody>
+      </p:sp>
     </p:spTree>
   </p:cSld>
   <p:clrMapOvr>
     <a:masterClrMapping/>
   </p:clrMapOvr>
-  <p:timing>
-    <p:tnLst>
-      <p:par>
-        <p:cTn id="1" dur="indefinite" restart="never" nodeType="tmRoot"/>
-      </p:par>
-    </p:tnLst>
-  </p:timing>
 </p:sld>
 </file>
 
